--- a/Presentations/Postgresql Presentation Day 4.pptx
+++ b/Presentations/Postgresql Presentation Day 4.pptx
@@ -5,7 +5,7 @@
     <p:sldMasterId id="2147483668" r:id="rId1"/>
   </p:sldMasterIdLst>
   <p:handoutMasterIdLst>
-    <p:handoutMasterId r:id="rId11"/>
+    <p:handoutMasterId r:id="rId12"/>
   </p:handoutMasterIdLst>
   <p:sldIdLst>
     <p:sldId id="257" r:id="rId2"/>
@@ -14,9 +14,10 @@
     <p:sldId id="293" r:id="rId5"/>
     <p:sldId id="294" r:id="rId6"/>
     <p:sldId id="295" r:id="rId7"/>
-    <p:sldId id="296" r:id="rId8"/>
-    <p:sldId id="297" r:id="rId9"/>
-    <p:sldId id="298" r:id="rId10"/>
+    <p:sldId id="299" r:id="rId8"/>
+    <p:sldId id="296" r:id="rId9"/>
+    <p:sldId id="300" r:id="rId10"/>
+    <p:sldId id="301" r:id="rId11"/>
   </p:sldIdLst>
   <p:sldSz cx="12192000" cy="6858000"/>
   <p:notesSz cx="6858000" cy="9144000"/>
@@ -6112,6 +6113,127 @@
 </p:sld>
 </file>
 
+<file path=ppt/slides/slide10.xml><?xml version="1.0" encoding="utf-8"?>
+<p:sld xmlns:a="http://schemas.openxmlformats.org/drawingml/2006/main" xmlns:r="http://schemas.openxmlformats.org/officeDocument/2006/relationships" xmlns:p="http://schemas.openxmlformats.org/presentationml/2006/main">
+  <p:cSld>
+    <p:spTree>
+      <p:nvGrpSpPr>
+        <p:cNvPr id="1" name=""/>
+        <p:cNvGrpSpPr/>
+        <p:nvPr/>
+      </p:nvGrpSpPr>
+      <p:grpSpPr>
+        <a:xfrm>
+          <a:off x="0" y="0"/>
+          <a:ext cx="0" cy="0"/>
+          <a:chOff x="0" y="0"/>
+          <a:chExt cx="0" cy="0"/>
+        </a:xfrm>
+      </p:grpSpPr>
+      <p:sp>
+        <p:nvSpPr>
+          <p:cNvPr id="2" name="Title 1"/>
+          <p:cNvSpPr>
+            <a:spLocks noGrp="1"/>
+          </p:cNvSpPr>
+          <p:nvPr>
+            <p:ph type="title"/>
+          </p:nvPr>
+        </p:nvSpPr>
+        <p:spPr>
+          <a:xfrm>
+            <a:off x="677334" y="0"/>
+            <a:ext cx="8596668" cy="1320800"/>
+          </a:xfrm>
+        </p:spPr>
+        <p:txBody>
+          <a:bodyPr>
+            <a:normAutofit/>
+          </a:bodyPr>
+          <a:lstStyle/>
+          <a:p>
+            <a:r>
+              <a:rPr lang="en-US" dirty="0" err="1" smtClean="0"/>
+              <a:t>Bucardo</a:t>
+            </a:r>
+            <a:r>
+              <a:rPr lang="en-US" dirty="0" smtClean="0"/>
+              <a:t>	</a:t>
+            </a:r>
+            <a:r>
+              <a:rPr lang="en-US" dirty="0" smtClean="0"/>
+              <a:t/>
+            </a:r>
+            <a:br>
+              <a:rPr lang="en-US" dirty="0" smtClean="0"/>
+            </a:br>
+            <a:endParaRPr lang="en-US" dirty="0"/>
+          </a:p>
+        </p:txBody>
+      </p:sp>
+      <p:sp>
+        <p:nvSpPr>
+          <p:cNvPr id="3" name="Subtitle 2"/>
+          <p:cNvSpPr>
+            <a:spLocks noGrp="1"/>
+          </p:cNvSpPr>
+          <p:nvPr>
+            <p:ph idx="1"/>
+          </p:nvPr>
+        </p:nvSpPr>
+        <p:spPr>
+          <a:xfrm>
+            <a:off x="677334" y="1219200"/>
+            <a:ext cx="9768244" cy="5461685"/>
+          </a:xfrm>
+        </p:spPr>
+        <p:txBody>
+          <a:bodyPr>
+            <a:normAutofit/>
+          </a:bodyPr>
+          <a:lstStyle/>
+          <a:p>
+            <a:pPr lvl="1" fontAlgn="base"/>
+            <a:r>
+              <a:rPr lang="en-US" dirty="0">
+                <a:hlinkClick r:id="rId2"/>
+              </a:rPr>
+              <a:t>https://www.compose.com/articles/using-bucardo-5-3-to-migrate-a-live-postgresql-database</a:t>
+            </a:r>
+            <a:r>
+              <a:rPr lang="en-US" dirty="0" smtClean="0">
+                <a:hlinkClick r:id="rId2"/>
+              </a:rPr>
+              <a:t>/</a:t>
+            </a:r>
+            <a:endParaRPr lang="en-US" dirty="0" smtClean="0"/>
+          </a:p>
+          <a:p>
+            <a:pPr lvl="1" fontAlgn="base"/>
+            <a:endParaRPr lang="en-US" dirty="0"/>
+          </a:p>
+        </p:txBody>
+      </p:sp>
+    </p:spTree>
+    <p:extLst>
+      <p:ext uri="{BB962C8B-B14F-4D97-AF65-F5344CB8AC3E}">
+        <p14:creationId xmlns:p14="http://schemas.microsoft.com/office/powerpoint/2010/main" val="1178129088"/>
+      </p:ext>
+    </p:extLst>
+  </p:cSld>
+  <p:clrMapOvr>
+    <a:masterClrMapping/>
+  </p:clrMapOvr>
+  <p:timing>
+    <p:tnLst>
+      <p:par>
+        <p:cTn id="1" dur="indefinite" restart="never" nodeType="tmRoot"/>
+      </p:par>
+    </p:tnLst>
+  </p:timing>
+</p:sld>
+</file>
+
 <file path=ppt/slides/slide2.xml><?xml version="1.0" encoding="utf-8"?>
 <p:sld xmlns:a="http://schemas.openxmlformats.org/drawingml/2006/main" xmlns:r="http://schemas.openxmlformats.org/officeDocument/2006/relationships" xmlns:p="http://schemas.openxmlformats.org/presentationml/2006/main">
   <p:cSld>
@@ -6151,15 +6273,7 @@
           <a:p>
             <a:r>
               <a:rPr lang="en-US" dirty="0" smtClean="0"/>
-              <a:t>Day 4 </a:t>
-            </a:r>
-            <a:r>
-              <a:rPr lang="en-US" dirty="0" smtClean="0"/>
-              <a:t>Overview</a:t>
-            </a:r>
-            <a:r>
-              <a:rPr lang="en-US" dirty="0" smtClean="0"/>
-              <a:t/>
+              <a:t>Day 4 Overview</a:t>
             </a:r>
             <a:br>
               <a:rPr lang="en-US" dirty="0" smtClean="0"/>
@@ -6438,10 +6552,6 @@
               <a:rPr lang="en-US" dirty="0" smtClean="0"/>
               <a:t> modules and extensions</a:t>
             </a:r>
-            <a:r>
-              <a:rPr lang="en-US" dirty="0" smtClean="0"/>
-              <a:t/>
-            </a:r>
             <a:br>
               <a:rPr lang="en-US" dirty="0" smtClean="0"/>
             </a:br>
@@ -6470,6 +6580,89 @@
             <a:normAutofit/>
           </a:bodyPr>
           <a:lstStyle/>
+          <a:p>
+            <a:pPr lvl="1" fontAlgn="base"/>
+            <a:r>
+              <a:rPr lang="en-US" dirty="0">
+                <a:hlinkClick r:id="rId2"/>
+              </a:rPr>
+              <a:t>http://docs.aws.amazon.com/AmazonRDS/latest/UserGuide/CHAP_PostgreSQL.html#PostgreSQL.Concepts.General.FeatureSupport</a:t>
+            </a:r>
+          </a:p>
+          <a:p>
+            <a:pPr lvl="1" fontAlgn="base"/>
+            <a:r>
+              <a:rPr lang="en-US" dirty="0" smtClean="0">
+                <a:hlinkClick r:id="rId2"/>
+              </a:rPr>
+              <a:t>http</a:t>
+            </a:r>
+            <a:r>
+              <a:rPr lang="en-US" dirty="0">
+                <a:hlinkClick r:id="rId2"/>
+              </a:rPr>
+              <a:t>://</a:t>
+            </a:r>
+            <a:r>
+              <a:rPr lang="en-US" dirty="0" smtClean="0">
+                <a:hlinkClick r:id="rId2"/>
+              </a:rPr>
+              <a:t>docs.aws.amazon.com/AmazonRDS/latest/UserGuide/Appendix.PostgreSQL.CommonDBATasks.html</a:t>
+            </a:r>
+            <a:endParaRPr lang="en-US" dirty="0"/>
+          </a:p>
+          <a:p>
+            <a:pPr lvl="1" fontAlgn="base"/>
+            <a:r>
+              <a:rPr lang="en-US" dirty="0">
+                <a:hlinkClick r:id="rId3"/>
+              </a:rPr>
+              <a:t>http://pgxn.org</a:t>
+            </a:r>
+            <a:r>
+              <a:rPr lang="en-US" dirty="0" smtClean="0">
+                <a:hlinkClick r:id="rId3"/>
+              </a:rPr>
+              <a:t>/</a:t>
+            </a:r>
+            <a:endParaRPr lang="en-US" dirty="0" smtClean="0"/>
+          </a:p>
+          <a:p>
+            <a:pPr lvl="1" fontAlgn="base"/>
+            <a:r>
+              <a:rPr lang="en-US" dirty="0">
+                <a:hlinkClick r:id="rId4"/>
+              </a:rPr>
+              <a:t>https://</a:t>
+            </a:r>
+            <a:r>
+              <a:rPr lang="en-US" dirty="0" smtClean="0">
+                <a:hlinkClick r:id="rId4"/>
+              </a:rPr>
+              <a:t>www.postgresql.org/docs/9.5/static/sql-createextension.html</a:t>
+            </a:r>
+            <a:endParaRPr lang="en-US" dirty="0" smtClean="0"/>
+          </a:p>
+          <a:p>
+            <a:pPr lvl="1" fontAlgn="base"/>
+            <a:r>
+              <a:rPr lang="en-US" dirty="0">
+                <a:hlinkClick r:id="rId5"/>
+              </a:rPr>
+              <a:t>https://</a:t>
+            </a:r>
+            <a:r>
+              <a:rPr lang="en-US" dirty="0" smtClean="0">
+                <a:hlinkClick r:id="rId5"/>
+              </a:rPr>
+              <a:t>www.postgresql.org/docs/9.5/static/datatype-json.html</a:t>
+            </a:r>
+            <a:endParaRPr lang="en-US" dirty="0" smtClean="0"/>
+          </a:p>
+          <a:p>
+            <a:pPr lvl="1" fontAlgn="base"/>
+            <a:endParaRPr lang="en-US" dirty="0" smtClean="0"/>
+          </a:p>
           <a:p>
             <a:pPr lvl="1" fontAlgn="base"/>
             <a:endParaRPr lang="en-US" dirty="0"/>
@@ -6539,19 +6732,12 @@
             </a:r>
             <a:r>
               <a:rPr lang="en-US" dirty="0" smtClean="0"/>
-              <a:t> PgPool2 and </a:t>
-            </a:r>
-            <a:r>
-              <a:rPr lang="en-US" dirty="0" err="1" smtClean="0"/>
-              <a:t>PGbouncer</a:t>
+              <a:t> </a:t>
             </a:r>
             <a:r>
               <a:rPr lang="en-US" dirty="0" smtClean="0"/>
-              <a:t/>
-            </a:r>
-            <a:br>
-              <a:rPr lang="en-US" dirty="0" smtClean="0"/>
-            </a:br>
+              <a:t>PgPool2</a:t>
+            </a:r>
             <a:endParaRPr lang="en-US" dirty="0"/>
           </a:p>
         </p:txBody>
@@ -6579,7 +6765,108 @@
           <a:lstStyle/>
           <a:p>
             <a:pPr lvl="1" fontAlgn="base"/>
-            <a:endParaRPr lang="en-US" dirty="0"/>
+            <a:r>
+              <a:rPr lang="en-US" dirty="0">
+                <a:hlinkClick r:id="rId2"/>
+              </a:rPr>
+              <a:t>http://www.pgpool.net/mediawiki/index.php/Main_Page</a:t>
+            </a:r>
+          </a:p>
+          <a:p>
+            <a:pPr lvl="1" fontAlgn="base"/>
+            <a:r>
+              <a:rPr lang="en-US" dirty="0" smtClean="0">
+                <a:hlinkClick r:id="rId2"/>
+              </a:rPr>
+              <a:t>https</a:t>
+            </a:r>
+            <a:r>
+              <a:rPr lang="en-US" dirty="0">
+                <a:hlinkClick r:id="rId2"/>
+              </a:rPr>
+              <a:t>://www.safaribooksonline.com/library/view/postgresql-replication-/9781783550609/ch09.html</a:t>
+            </a:r>
+            <a:endParaRPr lang="en-US" dirty="0"/>
+          </a:p>
+          <a:p>
+            <a:pPr lvl="1" fontAlgn="base"/>
+            <a:r>
+              <a:rPr lang="en-US" dirty="0" smtClean="0">
+                <a:hlinkClick r:id="rId3"/>
+              </a:rPr>
+              <a:t>https</a:t>
+            </a:r>
+            <a:r>
+              <a:rPr lang="en-US" dirty="0">
+                <a:hlinkClick r:id="rId3"/>
+              </a:rPr>
+              <a:t>://</a:t>
+            </a:r>
+            <a:r>
+              <a:rPr lang="en-US" dirty="0" smtClean="0">
+                <a:hlinkClick r:id="rId3"/>
+              </a:rPr>
+              <a:t>www.safaribooksonline.com/library/view/postgresql-cookbook/9781783555338/ch08.html</a:t>
+            </a:r>
+            <a:endParaRPr lang="en-US" dirty="0" smtClean="0"/>
+          </a:p>
+          <a:p>
+            <a:pPr lvl="1" fontAlgn="base"/>
+            <a:r>
+              <a:rPr lang="en-US" dirty="0">
+                <a:hlinkClick r:id="rId4"/>
+              </a:rPr>
+              <a:t>https://</a:t>
+            </a:r>
+            <a:r>
+              <a:rPr lang="en-US" dirty="0" smtClean="0">
+                <a:hlinkClick r:id="rId4"/>
+              </a:rPr>
+              <a:t>wiki.postgresql.org/wiki/PgBouncer</a:t>
+            </a:r>
+            <a:endParaRPr lang="en-US" dirty="0" smtClean="0"/>
+          </a:p>
+          <a:p>
+            <a:pPr lvl="1" fontAlgn="base"/>
+            <a:r>
+              <a:rPr lang="en-US" dirty="0" smtClean="0">
+                <a:hlinkClick r:id="rId5"/>
+              </a:rPr>
+              <a:t>https</a:t>
+            </a:r>
+            <a:r>
+              <a:rPr lang="en-US" dirty="0">
+                <a:hlinkClick r:id="rId5"/>
+              </a:rPr>
+              <a:t>://www.safaribooksonline.com/library/view/postgresql-replication-/</a:t>
+            </a:r>
+            <a:r>
+              <a:rPr lang="en-US" dirty="0" smtClean="0">
+                <a:hlinkClick r:id="rId5"/>
+              </a:rPr>
+              <a:t>9781783550609/ch08.html</a:t>
+            </a:r>
+            <a:endParaRPr lang="en-US" dirty="0" smtClean="0"/>
+          </a:p>
+          <a:p>
+            <a:pPr lvl="1" fontAlgn="base"/>
+            <a:r>
+              <a:rPr lang="en-US" dirty="0">
+                <a:hlinkClick r:id="rId6"/>
+              </a:rPr>
+              <a:t>http://pgsqlpgpool.blogspot.com</a:t>
+            </a:r>
+            <a:r>
+              <a:rPr lang="en-US" dirty="0" smtClean="0">
+                <a:hlinkClick r:id="rId6"/>
+              </a:rPr>
+              <a:t>/</a:t>
+            </a:r>
+            <a:endParaRPr lang="en-US" dirty="0" smtClean="0"/>
+          </a:p>
+          <a:p>
+            <a:pPr lvl="1" fontAlgn="base"/>
+            <a:endParaRPr lang="en-US" dirty="0" smtClean="0"/>
           </a:p>
         </p:txBody>
       </p:sp>
@@ -6642,7 +6929,11 @@
           <a:p>
             <a:r>
               <a:rPr lang="en-US" dirty="0" smtClean="0"/>
-              <a:t>Full Text Searching with Tsearch2</a:t>
+              <a:t>Full Text </a:t>
+            </a:r>
+            <a:r>
+              <a:rPr lang="en-US" dirty="0" smtClean="0"/>
+              <a:t>Searching</a:t>
             </a:r>
             <a:endParaRPr lang="en-US" dirty="0"/>
           </a:p>
@@ -6669,6 +6960,94 @@
             <a:normAutofit/>
           </a:bodyPr>
           <a:lstStyle/>
+          <a:p>
+            <a:pPr lvl="1" fontAlgn="base"/>
+            <a:r>
+              <a:rPr lang="en-US" dirty="0">
+                <a:hlinkClick r:id="rId2"/>
+              </a:rPr>
+              <a:t>https://</a:t>
+            </a:r>
+            <a:r>
+              <a:rPr lang="en-US" dirty="0" smtClean="0">
+                <a:hlinkClick r:id="rId2"/>
+              </a:rPr>
+              <a:t>www.safaribooksonline.com/library/view/learning-postgresql/9781783989188/ch11s04.html</a:t>
+            </a:r>
+            <a:endParaRPr lang="en-US" dirty="0" smtClean="0"/>
+          </a:p>
+          <a:p>
+            <a:pPr lvl="1" fontAlgn="base"/>
+            <a:endParaRPr lang="en-US" dirty="0" smtClean="0"/>
+          </a:p>
+          <a:p>
+            <a:pPr lvl="1" fontAlgn="base"/>
+            <a:r>
+              <a:rPr lang="en-US" dirty="0">
+                <a:hlinkClick r:id="rId3"/>
+              </a:rPr>
+              <a:t>https://</a:t>
+            </a:r>
+            <a:r>
+              <a:rPr lang="en-US" dirty="0" smtClean="0">
+                <a:hlinkClick r:id="rId3"/>
+              </a:rPr>
+              <a:t>www.postgresql.org/docs/9.5/static/textsearch-intro.html</a:t>
+            </a:r>
+            <a:endParaRPr lang="en-US" dirty="0" smtClean="0"/>
+          </a:p>
+          <a:p>
+            <a:pPr lvl="1" fontAlgn="base"/>
+            <a:r>
+              <a:rPr lang="en-US" dirty="0">
+                <a:hlinkClick r:id="rId4"/>
+              </a:rPr>
+              <a:t>https://</a:t>
+            </a:r>
+            <a:r>
+              <a:rPr lang="en-US" dirty="0" smtClean="0">
+                <a:hlinkClick r:id="rId4"/>
+              </a:rPr>
+              <a:t>www.postgresql.org/docs/9.5/static/textsearch.html</a:t>
+            </a:r>
+            <a:endParaRPr lang="en-US" dirty="0" smtClean="0"/>
+          </a:p>
+          <a:p>
+            <a:pPr lvl="1" fontAlgn="base"/>
+            <a:r>
+              <a:rPr lang="en-US" dirty="0">
+                <a:hlinkClick r:id="rId5"/>
+              </a:rPr>
+              <a:t>https://blog.lateral.io/2015/05/full-text-search-in-milliseconds-with-postgresql</a:t>
+            </a:r>
+            <a:r>
+              <a:rPr lang="en-US" dirty="0" smtClean="0">
+                <a:hlinkClick r:id="rId5"/>
+              </a:rPr>
+              <a:t>/</a:t>
+            </a:r>
+            <a:endParaRPr lang="en-US" dirty="0" smtClean="0"/>
+          </a:p>
+          <a:p>
+            <a:pPr lvl="1" fontAlgn="base"/>
+            <a:r>
+              <a:rPr lang="en-US" dirty="0">
+                <a:hlinkClick r:id="rId6"/>
+              </a:rPr>
+              <a:t>https://www.compose.com/articles/indexing-for-full-text-search-in-postgresql</a:t>
+            </a:r>
+            <a:r>
+              <a:rPr lang="en-US" dirty="0" smtClean="0">
+                <a:hlinkClick r:id="rId6"/>
+              </a:rPr>
+              <a:t>/</a:t>
+            </a:r>
+            <a:endParaRPr lang="en-US" dirty="0" smtClean="0"/>
+          </a:p>
+          <a:p>
+            <a:pPr lvl="1" fontAlgn="base"/>
+            <a:endParaRPr lang="en-US" dirty="0" smtClean="0"/>
+          </a:p>
           <a:p>
             <a:pPr lvl="1" fontAlgn="base"/>
             <a:endParaRPr lang="en-US" dirty="0"/>
@@ -6736,10 +7115,6 @@
               <a:rPr lang="en-US" dirty="0" smtClean="0"/>
               <a:t>Table Partitioning</a:t>
             </a:r>
-            <a:r>
-              <a:rPr lang="en-US" dirty="0" smtClean="0"/>
-              <a:t/>
-            </a:r>
             <a:br>
               <a:rPr lang="en-US" dirty="0" smtClean="0"/>
             </a:br>
@@ -6770,7 +7145,99 @@
           <a:lstStyle/>
           <a:p>
             <a:pPr lvl="1" fontAlgn="base"/>
-            <a:endParaRPr lang="en-US" dirty="0"/>
+            <a:r>
+              <a:rPr lang="en-US" dirty="0">
+                <a:hlinkClick r:id="rId2"/>
+              </a:rPr>
+              <a:t>https://</a:t>
+            </a:r>
+            <a:r>
+              <a:rPr lang="en-US" dirty="0" smtClean="0">
+                <a:hlinkClick r:id="rId2"/>
+              </a:rPr>
+              <a:t>www.safaribooksonline.com/library/view/learning-postgresql/9781783989188/ch10s04.html</a:t>
+            </a:r>
+            <a:endParaRPr lang="en-US" dirty="0" smtClean="0"/>
+          </a:p>
+          <a:p>
+            <a:pPr lvl="1" fontAlgn="base"/>
+            <a:r>
+              <a:rPr lang="en-US" dirty="0">
+                <a:hlinkClick r:id="rId3"/>
+              </a:rPr>
+              <a:t>https://</a:t>
+            </a:r>
+            <a:r>
+              <a:rPr lang="en-US" dirty="0" smtClean="0">
+                <a:hlinkClick r:id="rId3"/>
+              </a:rPr>
+              <a:t>www.postgresql.org/docs/current/static/runtime-config-query.html#GUC-CONSTRAINT-EXCLUSION</a:t>
+            </a:r>
+            <a:endParaRPr lang="en-US" dirty="0" smtClean="0"/>
+          </a:p>
+          <a:p>
+            <a:pPr lvl="1" fontAlgn="base"/>
+            <a:r>
+              <a:rPr lang="en-US" dirty="0" smtClean="0">
+                <a:hlinkClick r:id="rId4"/>
+              </a:rPr>
+              <a:t>https</a:t>
+            </a:r>
+            <a:r>
+              <a:rPr lang="en-US" dirty="0">
+                <a:hlinkClick r:id="rId4"/>
+              </a:rPr>
+              <a:t>://</a:t>
+            </a:r>
+            <a:r>
+              <a:rPr lang="en-US" dirty="0" smtClean="0">
+                <a:hlinkClick r:id="rId4"/>
+              </a:rPr>
+              <a:t>www.safaribooksonline.com/library/view/postgresql-for-data/9781783288601/ch08s05.html</a:t>
+            </a:r>
+            <a:endParaRPr lang="en-US" dirty="0"/>
+          </a:p>
+          <a:p>
+            <a:pPr lvl="1" fontAlgn="base"/>
+            <a:r>
+              <a:rPr lang="en-US" dirty="0" smtClean="0">
+                <a:hlinkClick r:id="rId5"/>
+              </a:rPr>
+              <a:t>https</a:t>
+            </a:r>
+            <a:r>
+              <a:rPr lang="en-US" dirty="0">
+                <a:hlinkClick r:id="rId5"/>
+              </a:rPr>
+              <a:t>://</a:t>
+            </a:r>
+            <a:r>
+              <a:rPr lang="en-US" dirty="0" smtClean="0">
+                <a:hlinkClick r:id="rId5"/>
+              </a:rPr>
+              <a:t>www.safaribooksonline.com/library/view/postgresql-cookbook/9781783555338/ch09.html</a:t>
+            </a:r>
+            <a:endParaRPr lang="en-US" dirty="0" smtClean="0"/>
+          </a:p>
+          <a:p>
+            <a:pPr lvl="1" fontAlgn="base"/>
+            <a:r>
+              <a:rPr lang="en-US" dirty="0">
+                <a:hlinkClick r:id="rId6"/>
+              </a:rPr>
+              <a:t>https://</a:t>
+            </a:r>
+            <a:r>
+              <a:rPr lang="en-US" dirty="0" smtClean="0">
+                <a:hlinkClick r:id="rId6"/>
+              </a:rPr>
+              <a:t>wiki.postgresql.org/wiki/Table_partitioning</a:t>
+            </a:r>
+            <a:endParaRPr lang="en-US" dirty="0" smtClean="0"/>
+          </a:p>
+          <a:p>
+            <a:pPr lvl="1" fontAlgn="base"/>
+            <a:endParaRPr lang="en-US" dirty="0" smtClean="0"/>
           </a:p>
         </p:txBody>
       </p:sp>
@@ -6829,13 +7296,17 @@
         </p:spPr>
         <p:txBody>
           <a:bodyPr>
-            <a:normAutofit fontScale="90000"/>
+            <a:normAutofit/>
           </a:bodyPr>
           <a:lstStyle/>
           <a:p>
             <a:r>
               <a:rPr lang="en-US" dirty="0" smtClean="0"/>
-              <a:t>Cross Region Replication with Read Replicas</a:t>
+              <a:t>RDS for </a:t>
+            </a:r>
+            <a:r>
+              <a:rPr lang="en-US" dirty="0" err="1" smtClean="0"/>
+              <a:t>Postgresql</a:t>
             </a:r>
             <a:r>
               <a:rPr lang="en-US" dirty="0" smtClean="0"/>
@@ -6871,6 +7342,38 @@
           <a:lstStyle/>
           <a:p>
             <a:pPr lvl="1" fontAlgn="base"/>
+            <a:r>
+              <a:rPr lang="en-US" dirty="0">
+                <a:hlinkClick r:id="rId2"/>
+              </a:rPr>
+              <a:t>http://</a:t>
+            </a:r>
+            <a:r>
+              <a:rPr lang="en-US" dirty="0" smtClean="0">
+                <a:hlinkClick r:id="rId2"/>
+              </a:rPr>
+              <a:t>www.davidmkerr.com/2013/11/tune-your-postgres-rds-instance-via.html</a:t>
+            </a:r>
+            <a:endParaRPr lang="en-US" dirty="0" smtClean="0"/>
+          </a:p>
+          <a:p>
+            <a:pPr lvl="1" fontAlgn="base"/>
+            <a:r>
+              <a:rPr lang="en-US" dirty="0">
+                <a:hlinkClick r:id="rId3"/>
+              </a:rPr>
+              <a:t>http://</a:t>
+            </a:r>
+            <a:r>
+              <a:rPr lang="en-US" dirty="0" smtClean="0">
+                <a:hlinkClick r:id="rId3"/>
+              </a:rPr>
+              <a:t>docs.aws.amazon.com/AmazonRDS/latest/UserGuide/CHAP_BestPractices.html#CHAP_BestPractices.DiskPerformance</a:t>
+            </a:r>
+            <a:endParaRPr lang="en-US" dirty="0" smtClean="0"/>
+          </a:p>
+          <a:p>
+            <a:pPr lvl="1" fontAlgn="base"/>
             <a:endParaRPr lang="en-US" dirty="0"/>
           </a:p>
         </p:txBody>
@@ -6878,7 +7381,7 @@
     </p:spTree>
     <p:extLst>
       <p:ext uri="{BB962C8B-B14F-4D97-AF65-F5344CB8AC3E}">
-        <p14:creationId xmlns:p14="http://schemas.microsoft.com/office/powerpoint/2010/main" val="842563387"/>
+        <p14:creationId xmlns:p14="http://schemas.microsoft.com/office/powerpoint/2010/main" val="951523410"/>
       </p:ext>
     </p:extLst>
   </p:cSld>
@@ -6930,21 +7433,13 @@
         </p:spPr>
         <p:txBody>
           <a:bodyPr>
-            <a:normAutofit/>
+            <a:normAutofit fontScale="90000"/>
           </a:bodyPr>
           <a:lstStyle/>
           <a:p>
             <a:r>
-              <a:rPr lang="en-US" dirty="0" err="1" smtClean="0"/>
-              <a:t>Bucardo</a:t>
-            </a:r>
-            <a:r>
               <a:rPr lang="en-US" dirty="0" smtClean="0"/>
-              <a:t> Replication</a:t>
-            </a:r>
-            <a:r>
-              <a:rPr lang="en-US" dirty="0" smtClean="0"/>
-              <a:t/>
+              <a:t>Cross Region Replication with Read Replicas</a:t>
             </a:r>
             <a:br>
               <a:rPr lang="en-US" dirty="0" smtClean="0"/>
@@ -6976,6 +7471,26 @@
           <a:lstStyle/>
           <a:p>
             <a:pPr lvl="1" fontAlgn="base"/>
+            <a:r>
+              <a:rPr lang="en-US" dirty="0">
+                <a:hlinkClick r:id="rId2"/>
+              </a:rPr>
+              <a:t>https://aws.amazon.com/about-aws/whats-new/2016/06/amazon-rds-for-postgresql-now-supports-cross-region-read-replicas</a:t>
+            </a:r>
+            <a:r>
+              <a:rPr lang="en-US" dirty="0" smtClean="0">
+                <a:hlinkClick r:id="rId2"/>
+              </a:rPr>
+              <a:t>/</a:t>
+            </a:r>
+            <a:endParaRPr lang="en-US" dirty="0" smtClean="0"/>
+          </a:p>
+          <a:p>
+            <a:pPr lvl="1" fontAlgn="base"/>
+            <a:r>
+              <a:rPr lang="en-US" dirty="0" smtClean="0"/>
+              <a:t>Examples</a:t>
+            </a:r>
             <a:endParaRPr lang="en-US" dirty="0"/>
           </a:p>
         </p:txBody>
@@ -6983,7 +7498,7 @@
     </p:spTree>
     <p:extLst>
       <p:ext uri="{BB962C8B-B14F-4D97-AF65-F5344CB8AC3E}">
-        <p14:creationId xmlns:p14="http://schemas.microsoft.com/office/powerpoint/2010/main" val="585841353"/>
+        <p14:creationId xmlns:p14="http://schemas.microsoft.com/office/powerpoint/2010/main" val="842563387"/>
       </p:ext>
     </p:extLst>
   </p:cSld>
@@ -7040,12 +7555,8 @@
           <a:lstStyle/>
           <a:p>
             <a:r>
-              <a:rPr lang="en-US" dirty="0" err="1" smtClean="0"/>
-              <a:t>Londiste</a:t>
-            </a:r>
-            <a:r>
               <a:rPr lang="en-US" dirty="0" smtClean="0"/>
-              <a:t> Replication</a:t>
+              <a:t>Best Practices</a:t>
             </a:r>
             <a:r>
               <a:rPr lang="en-US" dirty="0" smtClean="0"/>
@@ -7081,6 +7592,144 @@
           <a:lstStyle/>
           <a:p>
             <a:pPr lvl="1" fontAlgn="base"/>
+            <a:r>
+              <a:rPr lang="en-US" dirty="0">
+                <a:hlinkClick r:id="rId2"/>
+              </a:rPr>
+              <a:t>http://docs.aws.amazon.com/AmazonRDS/latest/UserGuide/CHAP_BestPractices.html</a:t>
+            </a:r>
+          </a:p>
+          <a:p>
+            <a:pPr lvl="1" fontAlgn="base"/>
+            <a:r>
+              <a:rPr lang="en-US" dirty="0" smtClean="0">
+                <a:hlinkClick r:id="rId2"/>
+              </a:rPr>
+              <a:t>http</a:t>
+            </a:r>
+            <a:r>
+              <a:rPr lang="en-US" dirty="0">
+                <a:hlinkClick r:id="rId2"/>
+              </a:rPr>
+              <a:t>://</a:t>
+            </a:r>
+            <a:r>
+              <a:rPr lang="en-US" dirty="0" smtClean="0">
+                <a:hlinkClick r:id="rId2"/>
+              </a:rPr>
+              <a:t>www.davidmkerr.com/2013/11/tune-your-postgres-rds-instance-via.html</a:t>
+            </a:r>
+            <a:endParaRPr lang="en-US" dirty="0" smtClean="0"/>
+          </a:p>
+          <a:p>
+            <a:pPr lvl="1" fontAlgn="base"/>
+            <a:r>
+              <a:rPr lang="en-US" dirty="0">
+                <a:hlinkClick r:id="rId3"/>
+              </a:rPr>
+              <a:t>http://</a:t>
+            </a:r>
+            <a:r>
+              <a:rPr lang="en-US" dirty="0" smtClean="0">
+                <a:hlinkClick r:id="rId3"/>
+              </a:rPr>
+              <a:t>www.slideshare.net/AmazonWebServices/dat402-amazon-rds-postgresqllessons-learned-new-features</a:t>
+            </a:r>
+            <a:endParaRPr lang="en-US" dirty="0" smtClean="0"/>
+          </a:p>
+          <a:p>
+            <a:pPr lvl="1" fontAlgn="base"/>
+            <a:r>
+              <a:rPr lang="en-US" dirty="0">
+                <a:hlinkClick r:id="rId4"/>
+              </a:rPr>
+              <a:t>http://</a:t>
+            </a:r>
+            <a:r>
+              <a:rPr lang="en-US" dirty="0" smtClean="0">
+                <a:hlinkClick r:id="rId4"/>
+              </a:rPr>
+              <a:t>postgresweekly.com/issues</a:t>
+            </a:r>
+            <a:endParaRPr lang="en-US" dirty="0" smtClean="0"/>
+          </a:p>
+          <a:p>
+            <a:pPr lvl="1" fontAlgn="base"/>
+            <a:r>
+              <a:rPr lang="en-US" dirty="0">
+                <a:hlinkClick r:id="rId5"/>
+              </a:rPr>
+              <a:t>http://www.craigkerstiens.com/2015/12/29/my-postgres-top-10-for-2016/?</a:t>
+            </a:r>
+            <a:r>
+              <a:rPr lang="en-US" dirty="0" smtClean="0">
+                <a:hlinkClick r:id="rId5"/>
+              </a:rPr>
+              <a:t>utm_source=postgresweekly&amp;utm_medium=email</a:t>
+            </a:r>
+            <a:endParaRPr lang="en-US" dirty="0" smtClean="0"/>
+          </a:p>
+          <a:p>
+            <a:pPr lvl="1" fontAlgn="base"/>
+            <a:r>
+              <a:rPr lang="en-US" dirty="0">
+                <a:hlinkClick r:id="rId6"/>
+              </a:rPr>
+              <a:t>https://</a:t>
+            </a:r>
+            <a:r>
+              <a:rPr lang="en-US" dirty="0" smtClean="0">
+                <a:hlinkClick r:id="rId6"/>
+              </a:rPr>
+              <a:t>robots.thoughtbot.com/advanced-postgres-performance-tips?utm_source=postgresweekly&amp;utm_medium=email</a:t>
+            </a:r>
+            <a:endParaRPr lang="en-US" dirty="0" smtClean="0"/>
+          </a:p>
+          <a:p>
+            <a:pPr lvl="1" fontAlgn="base"/>
+            <a:r>
+              <a:rPr lang="en-US" dirty="0">
+                <a:hlinkClick r:id="rId7"/>
+              </a:rPr>
+              <a:t>http://</a:t>
+            </a:r>
+            <a:r>
+              <a:rPr lang="en-US" dirty="0" smtClean="0">
+                <a:hlinkClick r:id="rId7"/>
+              </a:rPr>
+              <a:t>blog.pixlee.com/hunting-down-phantom-write-spik</a:t>
+            </a:r>
+            <a:endParaRPr lang="en-US" dirty="0" smtClean="0"/>
+          </a:p>
+          <a:p>
+            <a:pPr lvl="1" fontAlgn="base"/>
+            <a:r>
+              <a:rPr lang="en-US" dirty="0" err="1" smtClean="0"/>
+              <a:t>es-in-rds-postgres?utm_source</a:t>
+            </a:r>
+            <a:r>
+              <a:rPr lang="en-US" dirty="0" smtClean="0"/>
+              <a:t>=</a:t>
+            </a:r>
+            <a:r>
+              <a:rPr lang="en-US" dirty="0" err="1" smtClean="0"/>
+              <a:t>postgresweekly&amp;utm_medium</a:t>
+            </a:r>
+            <a:r>
+              <a:rPr lang="en-US" dirty="0" smtClean="0"/>
+              <a:t>=email</a:t>
+            </a:r>
+          </a:p>
+          <a:p>
+            <a:pPr lvl="1" fontAlgn="base"/>
+            <a:r>
+              <a:rPr lang="en-US"/>
+              <a:t>https://www.youtube.com/watch?v=tZXp19q8RFo</a:t>
+            </a:r>
+            <a:endParaRPr lang="en-US" dirty="0" smtClean="0"/>
+          </a:p>
+          <a:p>
+            <a:pPr lvl="1" fontAlgn="base"/>
             <a:endParaRPr lang="en-US" dirty="0"/>
           </a:p>
         </p:txBody>
@@ -7088,7 +7737,7 @@
     </p:spTree>
     <p:extLst>
       <p:ext uri="{BB962C8B-B14F-4D97-AF65-F5344CB8AC3E}">
-        <p14:creationId xmlns:p14="http://schemas.microsoft.com/office/powerpoint/2010/main" val="3067290345"/>
+        <p14:creationId xmlns:p14="http://schemas.microsoft.com/office/powerpoint/2010/main" val="2423916971"/>
       </p:ext>
     </p:extLst>
   </p:cSld>

--- a/Presentations/Postgresql Presentation Day 4.pptx
+++ b/Presentations/Postgresql Presentation Day 4.pptx
@@ -12,12 +12,12 @@
     <p:sldId id="280" r:id="rId3"/>
     <p:sldId id="292" r:id="rId4"/>
     <p:sldId id="293" r:id="rId5"/>
-    <p:sldId id="294" r:id="rId6"/>
-    <p:sldId id="295" r:id="rId7"/>
-    <p:sldId id="299" r:id="rId8"/>
-    <p:sldId id="296" r:id="rId9"/>
-    <p:sldId id="300" r:id="rId10"/>
-    <p:sldId id="301" r:id="rId11"/>
+    <p:sldId id="295" r:id="rId6"/>
+    <p:sldId id="299" r:id="rId7"/>
+    <p:sldId id="296" r:id="rId8"/>
+    <p:sldId id="300" r:id="rId9"/>
+    <p:sldId id="301" r:id="rId10"/>
+    <p:sldId id="294" r:id="rId11"/>
   </p:sldIdLst>
   <p:sldSz cx="12192000" cy="6858000"/>
   <p:notesSz cx="6858000" cy="9144000"/>
@@ -209,7 +209,7 @@
           <a:p>
             <a:fld id="{11A92A65-2685-4FA5-8B48-11F8E673727C}" type="datetimeFigureOut">
               <a:rPr lang="en-US" smtClean="0"/>
-              <a:t>9/16/2016</a:t>
+              <a:t>9/17/2016</a:t>
             </a:fld>
             <a:endParaRPr lang="en-US"/>
           </a:p>
@@ -1038,7 +1038,7 @@
             <a:fld id="{B61BEF0D-F0BB-DE4B-95CE-6DB70DBA9567}" type="datetimeFigureOut">
               <a:rPr lang="en-US" smtClean="0"/>
               <a:pPr/>
-              <a:t>9/16/2016</a:t>
+              <a:t>9/17/2016</a:t>
             </a:fld>
             <a:endParaRPr lang="en-US" dirty="0"/>
           </a:p>
@@ -1291,7 +1291,7 @@
             <a:fld id="{B61BEF0D-F0BB-DE4B-95CE-6DB70DBA9567}" type="datetimeFigureOut">
               <a:rPr lang="en-US" smtClean="0"/>
               <a:pPr/>
-              <a:t>9/16/2016</a:t>
+              <a:t>9/17/2016</a:t>
             </a:fld>
             <a:endParaRPr lang="en-US" dirty="0"/>
           </a:p>
@@ -1607,7 +1607,7 @@
             <a:fld id="{B61BEF0D-F0BB-DE4B-95CE-6DB70DBA9567}" type="datetimeFigureOut">
               <a:rPr lang="en-US" smtClean="0"/>
               <a:pPr/>
-              <a:t>9/16/2016</a:t>
+              <a:t>9/17/2016</a:t>
             </a:fld>
             <a:endParaRPr lang="en-US" dirty="0"/>
           </a:p>
@@ -1942,7 +1942,7 @@
             <a:fld id="{B61BEF0D-F0BB-DE4B-95CE-6DB70DBA9567}" type="datetimeFigureOut">
               <a:rPr lang="en-US" smtClean="0"/>
               <a:pPr/>
-              <a:t>9/16/2016</a:t>
+              <a:t>9/17/2016</a:t>
             </a:fld>
             <a:endParaRPr lang="en-US" dirty="0"/>
           </a:p>
@@ -2258,7 +2258,7 @@
             <a:fld id="{B61BEF0D-F0BB-DE4B-95CE-6DB70DBA9567}" type="datetimeFigureOut">
               <a:rPr lang="en-US" smtClean="0"/>
               <a:pPr/>
-              <a:t>9/16/2016</a:t>
+              <a:t>9/17/2016</a:t>
             </a:fld>
             <a:endParaRPr lang="en-US" dirty="0"/>
           </a:p>
@@ -2653,7 +2653,7 @@
             <a:fld id="{B61BEF0D-F0BB-DE4B-95CE-6DB70DBA9567}" type="datetimeFigureOut">
               <a:rPr lang="en-US" smtClean="0"/>
               <a:pPr/>
-              <a:t>9/16/2016</a:t>
+              <a:t>9/17/2016</a:t>
             </a:fld>
             <a:endParaRPr lang="en-US" dirty="0"/>
           </a:p>
@@ -2824,7 +2824,7 @@
           <a:p>
             <a:fld id="{55C6B4A9-1611-4792-9094-5F34BCA07E0B}" type="datetimeFigureOut">
               <a:rPr lang="en-US" smtClean="0"/>
-              <a:t>9/16/2016</a:t>
+              <a:t>9/17/2016</a:t>
             </a:fld>
             <a:endParaRPr lang="en-US" dirty="0"/>
           </a:p>
@@ -3005,7 +3005,7 @@
             <a:fld id="{B61BEF0D-F0BB-DE4B-95CE-6DB70DBA9567}" type="datetimeFigureOut">
               <a:rPr lang="en-US" smtClean="0"/>
               <a:pPr/>
-              <a:t>9/16/2016</a:t>
+              <a:t>9/17/2016</a:t>
             </a:fld>
             <a:endParaRPr lang="en-US" dirty="0"/>
           </a:p>
@@ -3177,7 +3177,7 @@
             <a:fld id="{B61BEF0D-F0BB-DE4B-95CE-6DB70DBA9567}" type="datetimeFigureOut">
               <a:rPr lang="en-US" smtClean="0"/>
               <a:pPr/>
-              <a:t>9/16/2016</a:t>
+              <a:t>9/17/2016</a:t>
             </a:fld>
             <a:endParaRPr lang="en-US" dirty="0"/>
           </a:p>
@@ -3426,7 +3426,7 @@
             <a:fld id="{B61BEF0D-F0BB-DE4B-95CE-6DB70DBA9567}" type="datetimeFigureOut">
               <a:rPr lang="en-US" smtClean="0"/>
               <a:pPr/>
-              <a:t>9/16/2016</a:t>
+              <a:t>9/17/2016</a:t>
             </a:fld>
             <a:endParaRPr lang="en-US" dirty="0"/>
           </a:p>
@@ -3659,7 +3659,7 @@
           <a:p>
             <a:fld id="{EB712588-04B1-427B-82EE-E8DB90309F08}" type="datetimeFigureOut">
               <a:rPr lang="en-US" smtClean="0"/>
-              <a:t>9/16/2016</a:t>
+              <a:t>9/17/2016</a:t>
             </a:fld>
             <a:endParaRPr lang="en-US" dirty="0"/>
           </a:p>
@@ -4034,7 +4034,7 @@
             <a:fld id="{B61BEF0D-F0BB-DE4B-95CE-6DB70DBA9567}" type="datetimeFigureOut">
               <a:rPr lang="en-US" smtClean="0"/>
               <a:pPr/>
-              <a:t>9/16/2016</a:t>
+              <a:t>9/17/2016</a:t>
             </a:fld>
             <a:endParaRPr lang="en-US" dirty="0"/>
           </a:p>
@@ -4159,7 +4159,7 @@
             <a:fld id="{B61BEF0D-F0BB-DE4B-95CE-6DB70DBA9567}" type="datetimeFigureOut">
               <a:rPr lang="en-US" smtClean="0"/>
               <a:pPr/>
-              <a:t>9/16/2016</a:t>
+              <a:t>9/17/2016</a:t>
             </a:fld>
             <a:endParaRPr lang="en-US" dirty="0"/>
           </a:p>
@@ -4256,7 +4256,7 @@
             <a:fld id="{B61BEF0D-F0BB-DE4B-95CE-6DB70DBA9567}" type="datetimeFigureOut">
               <a:rPr lang="en-US" smtClean="0"/>
               <a:pPr/>
-              <a:t>9/16/2016</a:t>
+              <a:t>9/17/2016</a:t>
             </a:fld>
             <a:endParaRPr lang="en-US" dirty="0"/>
           </a:p>
@@ -4512,7 +4512,7 @@
           <a:p>
             <a:fld id="{42A54C80-263E-416B-A8E0-580EDEADCBDC}" type="datetimeFigureOut">
               <a:rPr lang="en-US" smtClean="0"/>
-              <a:t>9/16/2016</a:t>
+              <a:t>9/17/2016</a:t>
             </a:fld>
             <a:endParaRPr lang="en-US" dirty="0"/>
           </a:p>
@@ -4819,7 +4819,7 @@
             <a:fld id="{B61BEF0D-F0BB-DE4B-95CE-6DB70DBA9567}" type="datetimeFigureOut">
               <a:rPr lang="en-US" smtClean="0"/>
               <a:pPr/>
-              <a:t>9/16/2016</a:t>
+              <a:t>9/17/2016</a:t>
             </a:fld>
             <a:endParaRPr lang="en-US" dirty="0"/>
           </a:p>
@@ -5522,7 +5522,7 @@
             <a:fld id="{B61BEF0D-F0BB-DE4B-95CE-6DB70DBA9567}" type="datetimeFigureOut">
               <a:rPr lang="en-US" smtClean="0"/>
               <a:pPr/>
-              <a:t>9/16/2016</a:t>
+              <a:t>9/17/2016</a:t>
             </a:fld>
             <a:endParaRPr lang="en-US" dirty="0"/>
           </a:p>
@@ -6147,26 +6147,13 @@
           </a:xfrm>
         </p:spPr>
         <p:txBody>
-          <a:bodyPr>
-            <a:normAutofit/>
-          </a:bodyPr>
-          <a:lstStyle/>
-          <a:p>
-            <a:r>
-              <a:rPr lang="en-US" dirty="0" err="1" smtClean="0"/>
-              <a:t>Bucardo</a:t>
-            </a:r>
+          <a:bodyPr/>
+          <a:lstStyle/>
+          <a:p>
             <a:r>
               <a:rPr lang="en-US" dirty="0" smtClean="0"/>
-              <a:t>	</a:t>
-            </a:r>
-            <a:r>
-              <a:rPr lang="en-US" dirty="0" smtClean="0"/>
-              <a:t/>
-            </a:r>
-            <a:br>
-              <a:rPr lang="en-US" dirty="0" smtClean="0"/>
-            </a:br>
+              <a:t>Full Text Searching</a:t>
+            </a:r>
             <a:endParaRPr lang="en-US" dirty="0"/>
           </a:p>
         </p:txBody>
@@ -6198,14 +6185,86 @@
               <a:rPr lang="en-US" dirty="0">
                 <a:hlinkClick r:id="rId2"/>
               </a:rPr>
-              <a:t>https://www.compose.com/articles/using-bucardo-5-3-to-migrate-a-live-postgresql-database</a:t>
+              <a:t>https://</a:t>
             </a:r>
             <a:r>
               <a:rPr lang="en-US" dirty="0" smtClean="0">
                 <a:hlinkClick r:id="rId2"/>
               </a:rPr>
+              <a:t>www.safaribooksonline.com/library/view/learning-postgresql/9781783989188/ch11s04.html</a:t>
+            </a:r>
+            <a:endParaRPr lang="en-US" dirty="0" smtClean="0"/>
+          </a:p>
+          <a:p>
+            <a:pPr lvl="1" fontAlgn="base"/>
+            <a:endParaRPr lang="en-US" dirty="0" smtClean="0"/>
+          </a:p>
+          <a:p>
+            <a:pPr lvl="1" fontAlgn="base"/>
+            <a:r>
+              <a:rPr lang="en-US" dirty="0">
+                <a:hlinkClick r:id="rId3"/>
+              </a:rPr>
+              <a:t>https://</a:t>
+            </a:r>
+            <a:r>
+              <a:rPr lang="en-US" dirty="0" smtClean="0">
+                <a:hlinkClick r:id="rId3"/>
+              </a:rPr>
+              <a:t>www.postgresql.org/docs/9.5/static/textsearch-intro.html</a:t>
+            </a:r>
+            <a:endParaRPr lang="en-US" dirty="0" smtClean="0"/>
+          </a:p>
+          <a:p>
+            <a:pPr lvl="1" fontAlgn="base"/>
+            <a:r>
+              <a:rPr lang="en-US" dirty="0">
+                <a:hlinkClick r:id="rId4"/>
+              </a:rPr>
+              <a:t>https://</a:t>
+            </a:r>
+            <a:r>
+              <a:rPr lang="en-US" dirty="0" smtClean="0">
+                <a:hlinkClick r:id="rId4"/>
+              </a:rPr>
+              <a:t>www.postgresql.org/docs/9.5/static/textsearch.html</a:t>
+            </a:r>
+            <a:endParaRPr lang="en-US" dirty="0" smtClean="0"/>
+          </a:p>
+          <a:p>
+            <a:pPr lvl="1" fontAlgn="base"/>
+            <a:r>
+              <a:rPr lang="en-US" dirty="0">
+                <a:hlinkClick r:id="rId5"/>
+              </a:rPr>
+              <a:t>https://blog.lateral.io/2015/05/full-text-search-in-milliseconds-with-postgresql</a:t>
+            </a:r>
+            <a:r>
+              <a:rPr lang="en-US" dirty="0" smtClean="0">
+                <a:hlinkClick r:id="rId5"/>
+              </a:rPr>
               <a:t>/</a:t>
             </a:r>
+            <a:endParaRPr lang="en-US" dirty="0" smtClean="0"/>
+          </a:p>
+          <a:p>
+            <a:pPr lvl="1" fontAlgn="base"/>
+            <a:r>
+              <a:rPr lang="en-US" dirty="0">
+                <a:hlinkClick r:id="rId6"/>
+              </a:rPr>
+              <a:t>https://www.compose.com/articles/indexing-for-full-text-search-in-postgresql</a:t>
+            </a:r>
+            <a:r>
+              <a:rPr lang="en-US" dirty="0" smtClean="0">
+                <a:hlinkClick r:id="rId6"/>
+              </a:rPr>
+              <a:t>/</a:t>
+            </a:r>
+            <a:endParaRPr lang="en-US" dirty="0" smtClean="0"/>
+          </a:p>
+          <a:p>
+            <a:pPr lvl="1" fontAlgn="base"/>
             <a:endParaRPr lang="en-US" dirty="0" smtClean="0"/>
           </a:p>
           <a:p>
@@ -6217,7 +6276,7 @@
     </p:spTree>
     <p:extLst>
       <p:ext uri="{BB962C8B-B14F-4D97-AF65-F5344CB8AC3E}">
-        <p14:creationId xmlns:p14="http://schemas.microsoft.com/office/powerpoint/2010/main" val="1178129088"/>
+        <p14:creationId xmlns:p14="http://schemas.microsoft.com/office/powerpoint/2010/main" val="3187772430"/>
       </p:ext>
     </p:extLst>
   </p:cSld>
@@ -6300,7 +6359,7 @@
         </p:spPr>
         <p:txBody>
           <a:bodyPr>
-            <a:normAutofit fontScale="92500" lnSpcReduction="20000"/>
+            <a:normAutofit/>
           </a:bodyPr>
           <a:lstStyle/>
           <a:p>
@@ -6393,24 +6452,12 @@
           <a:p>
             <a:pPr fontAlgn="base"/>
             <a:r>
-              <a:rPr lang="en-US" dirty="0" err="1" smtClean="0"/>
-              <a:t>Bucardo</a:t>
-            </a:r>
-            <a:r>
               <a:rPr lang="en-US" dirty="0" smtClean="0"/>
-              <a:t>/</a:t>
-            </a:r>
-            <a:r>
-              <a:rPr lang="en-US" dirty="0" err="1" smtClean="0"/>
-              <a:t>Londiste</a:t>
-            </a:r>
-            <a:endParaRPr lang="en-US" dirty="0"/>
-          </a:p>
-          <a:p>
-            <a:pPr fontAlgn="base"/>
+              <a:t>Best </a:t>
+            </a:r>
             <a:r>
               <a:rPr lang="en-US" dirty="0" smtClean="0"/>
-              <a:t>Best Practices Summary</a:t>
+              <a:t>Practices Summary</a:t>
             </a:r>
             <a:endParaRPr lang="en-US" dirty="0"/>
           </a:p>
@@ -6435,19 +6482,12 @@
           <a:p>
             <a:pPr lvl="1" fontAlgn="base"/>
             <a:r>
-              <a:rPr lang="en-US" dirty="0" err="1"/>
-              <a:t>pgBouncer</a:t>
+              <a:rPr lang="en-US" dirty="0" smtClean="0"/>
+              <a:t>Deeper </a:t>
             </a:r>
             <a:r>
               <a:rPr lang="en-US" dirty="0"/>
-              <a:t> Labs</a:t>
-            </a:r>
-          </a:p>
-          <a:p>
-            <a:pPr lvl="1" fontAlgn="base"/>
-            <a:r>
-              <a:rPr lang="en-US" dirty="0"/>
-              <a:t>Deeper Dive into </a:t>
+              <a:t>Dive into </a:t>
             </a:r>
             <a:r>
               <a:rPr lang="en-US" dirty="0" smtClean="0"/>
@@ -6466,9 +6506,10 @@
           <a:p>
             <a:pPr lvl="1" fontAlgn="base"/>
             <a:r>
-              <a:rPr lang="en-US" dirty="0"/>
-              <a:t>Sample tsearch2</a:t>
-            </a:r>
+              <a:rPr lang="en-US" dirty="0" smtClean="0"/>
+              <a:t>Sample Full Text Search</a:t>
+            </a:r>
+            <a:endParaRPr lang="en-US" dirty="0"/>
           </a:p>
           <a:p>
             <a:pPr lvl="1" fontAlgn="base"/>
@@ -6586,7 +6627,13 @@
               <a:rPr lang="en-US" dirty="0">
                 <a:hlinkClick r:id="rId2"/>
               </a:rPr>
-              <a:t>http://docs.aws.amazon.com/AmazonRDS/latest/UserGuide/CHAP_PostgreSQL.html#PostgreSQL.Concepts.General.FeatureSupport</a:t>
+              <a:t>http://</a:t>
+            </a:r>
+            <a:r>
+              <a:rPr lang="en-US" dirty="0" smtClean="0">
+                <a:hlinkClick r:id="rId2"/>
+              </a:rPr>
+              <a:t>docs.aws.amazon.com/AmazonRDS/latest/UserGuide/CHAP_PostgreSQL.html#PostgreSQL.Concepts.General.FeatureSupport.Extensions</a:t>
             </a:r>
           </a:p>
           <a:p>
@@ -6732,11 +6779,7 @@
             </a:r>
             <a:r>
               <a:rPr lang="en-US" dirty="0" smtClean="0"/>
-              <a:t> </a:t>
-            </a:r>
-            <a:r>
-              <a:rPr lang="en-US" dirty="0" smtClean="0"/>
-              <a:t>PgPool2</a:t>
+              <a:t> PgPool2</a:t>
             </a:r>
             <a:endParaRPr lang="en-US" dirty="0"/>
           </a:p>
@@ -6929,12 +6972,11 @@
           <a:p>
             <a:r>
               <a:rPr lang="en-US" dirty="0" smtClean="0"/>
-              <a:t>Full Text </a:t>
-            </a:r>
-            <a:r>
+              <a:t>Table Partitioning</a:t>
+            </a:r>
+            <a:br>
               <a:rPr lang="en-US" dirty="0" smtClean="0"/>
-              <a:t>Searching</a:t>
-            </a:r>
+            </a:br>
             <a:endParaRPr lang="en-US" dirty="0"/>
           </a:p>
         </p:txBody>
@@ -6972,12 +7014,8 @@
               <a:rPr lang="en-US" dirty="0" smtClean="0">
                 <a:hlinkClick r:id="rId2"/>
               </a:rPr>
-              <a:t>www.safaribooksonline.com/library/view/learning-postgresql/9781783989188/ch11s04.html</a:t>
-            </a:r>
-            <a:endParaRPr lang="en-US" dirty="0" smtClean="0"/>
-          </a:p>
-          <a:p>
-            <a:pPr lvl="1" fontAlgn="base"/>
+              <a:t>www.safaribooksonline.com/library/view/learning-postgresql/9781783989188/ch10s04.html</a:t>
+            </a:r>
             <a:endParaRPr lang="en-US" dirty="0" smtClean="0"/>
           </a:p>
           <a:p>
@@ -6992,39 +7030,51 @@
               <a:rPr lang="en-US" dirty="0" smtClean="0">
                 <a:hlinkClick r:id="rId3"/>
               </a:rPr>
-              <a:t>www.postgresql.org/docs/9.5/static/textsearch-intro.html</a:t>
+              <a:t>www.postgresql.org/docs/current/static/runtime-config-query.html#GUC-CONSTRAINT-EXCLUSION</a:t>
             </a:r>
             <a:endParaRPr lang="en-US" dirty="0" smtClean="0"/>
           </a:p>
           <a:p>
             <a:pPr lvl="1" fontAlgn="base"/>
+            <a:r>
+              <a:rPr lang="en-US" dirty="0" smtClean="0">
+                <a:hlinkClick r:id="rId4"/>
+              </a:rPr>
+              <a:t>https</a:t>
+            </a:r>
             <a:r>
               <a:rPr lang="en-US" dirty="0">
                 <a:hlinkClick r:id="rId4"/>
               </a:rPr>
-              <a:t>https://</a:t>
+              <a:t>://</a:t>
             </a:r>
             <a:r>
               <a:rPr lang="en-US" dirty="0" smtClean="0">
                 <a:hlinkClick r:id="rId4"/>
               </a:rPr>
-              <a:t>www.postgresql.org/docs/9.5/static/textsearch.html</a:t>
-            </a:r>
-            <a:endParaRPr lang="en-US" dirty="0" smtClean="0"/>
+              <a:t>www.safaribooksonline.com/library/view/postgresql-for-data/9781783288601/ch08s05.html</a:t>
+            </a:r>
+            <a:endParaRPr lang="en-US" dirty="0"/>
           </a:p>
           <a:p>
             <a:pPr lvl="1" fontAlgn="base"/>
+            <a:r>
+              <a:rPr lang="en-US" dirty="0" smtClean="0">
+                <a:hlinkClick r:id="rId5"/>
+              </a:rPr>
+              <a:t>https</a:t>
+            </a:r>
             <a:r>
               <a:rPr lang="en-US" dirty="0">
                 <a:hlinkClick r:id="rId5"/>
               </a:rPr>
-              <a:t>https://blog.lateral.io/2015/05/full-text-search-in-milliseconds-with-postgresql</a:t>
+              <a:t>://</a:t>
             </a:r>
             <a:r>
               <a:rPr lang="en-US" dirty="0" smtClean="0">
                 <a:hlinkClick r:id="rId5"/>
               </a:rPr>
-              <a:t>/</a:t>
+              <a:t>www.safaribooksonline.com/library/view/postgresql-cookbook/9781783555338/ch09.html</a:t>
             </a:r>
             <a:endParaRPr lang="en-US" dirty="0" smtClean="0"/>
           </a:p>
@@ -7034,30 +7084,26 @@
               <a:rPr lang="en-US" dirty="0">
                 <a:hlinkClick r:id="rId6"/>
               </a:rPr>
-              <a:t>https://www.compose.com/articles/indexing-for-full-text-search-in-postgresql</a:t>
+              <a:t>https://</a:t>
             </a:r>
             <a:r>
               <a:rPr lang="en-US" dirty="0" smtClean="0">
                 <a:hlinkClick r:id="rId6"/>
               </a:rPr>
-              <a:t>/</a:t>
+              <a:t>wiki.postgresql.org/wiki/Table_partitioning</a:t>
             </a:r>
             <a:endParaRPr lang="en-US" dirty="0" smtClean="0"/>
           </a:p>
           <a:p>
             <a:pPr lvl="1" fontAlgn="base"/>
             <a:endParaRPr lang="en-US" dirty="0" smtClean="0"/>
-          </a:p>
-          <a:p>
-            <a:pPr lvl="1" fontAlgn="base"/>
-            <a:endParaRPr lang="en-US" dirty="0"/>
           </a:p>
         </p:txBody>
       </p:sp>
     </p:spTree>
     <p:extLst>
       <p:ext uri="{BB962C8B-B14F-4D97-AF65-F5344CB8AC3E}">
-        <p14:creationId xmlns:p14="http://schemas.microsoft.com/office/powerpoint/2010/main" val="3187772430"/>
+        <p14:creationId xmlns:p14="http://schemas.microsoft.com/office/powerpoint/2010/main" val="3757333264"/>
       </p:ext>
     </p:extLst>
   </p:cSld>
@@ -7108,12 +7154,22 @@
           </a:xfrm>
         </p:spPr>
         <p:txBody>
-          <a:bodyPr/>
+          <a:bodyPr>
+            <a:normAutofit/>
+          </a:bodyPr>
           <a:lstStyle/>
           <a:p>
             <a:r>
               <a:rPr lang="en-US" dirty="0" smtClean="0"/>
-              <a:t>Table Partitioning</a:t>
+              <a:t>RDS for </a:t>
+            </a:r>
+            <a:r>
+              <a:rPr lang="en-US" dirty="0" err="1" smtClean="0"/>
+              <a:t>Postgresql</a:t>
+            </a:r>
+            <a:r>
+              <a:rPr lang="en-US" dirty="0" smtClean="0"/>
+              <a:t/>
             </a:r>
             <a:br>
               <a:rPr lang="en-US" dirty="0" smtClean="0"/>
@@ -7149,13 +7205,13 @@
               <a:rPr lang="en-US" dirty="0">
                 <a:hlinkClick r:id="rId2"/>
               </a:rPr>
-              <a:t>https://</a:t>
+              <a:t>http://</a:t>
             </a:r>
             <a:r>
               <a:rPr lang="en-US" dirty="0" smtClean="0">
                 <a:hlinkClick r:id="rId2"/>
               </a:rPr>
-              <a:t>www.safaribooksonline.com/library/view/learning-postgresql/9781783989188/ch10s04.html</a:t>
+              <a:t>www.davidmkerr.com/2013/11/tune-your-postgres-rds-instance-via.html</a:t>
             </a:r>
             <a:endParaRPr lang="en-US" dirty="0" smtClean="0"/>
           </a:p>
@@ -7165,86 +7221,26 @@
               <a:rPr lang="en-US" dirty="0">
                 <a:hlinkClick r:id="rId3"/>
               </a:rPr>
-              <a:t>https://</a:t>
+              <a:t>http://</a:t>
             </a:r>
             <a:r>
               <a:rPr lang="en-US" dirty="0" smtClean="0">
                 <a:hlinkClick r:id="rId3"/>
               </a:rPr>
-              <a:t>www.postgresql.org/docs/current/static/runtime-config-query.html#GUC-CONSTRAINT-EXCLUSION</a:t>
+              <a:t>docs.aws.amazon.com/AmazonRDS/latest/UserGuide/CHAP_BestPractices.html#CHAP_BestPractices.DiskPerformance</a:t>
             </a:r>
             <a:endParaRPr lang="en-US" dirty="0" smtClean="0"/>
           </a:p>
           <a:p>
             <a:pPr lvl="1" fontAlgn="base"/>
-            <a:r>
-              <a:rPr lang="en-US" dirty="0" smtClean="0">
-                <a:hlinkClick r:id="rId4"/>
-              </a:rPr>
-              <a:t>https</a:t>
-            </a:r>
-            <a:r>
-              <a:rPr lang="en-US" dirty="0">
-                <a:hlinkClick r:id="rId4"/>
-              </a:rPr>
-              <a:t>://</a:t>
-            </a:r>
-            <a:r>
-              <a:rPr lang="en-US" dirty="0" smtClean="0">
-                <a:hlinkClick r:id="rId4"/>
-              </a:rPr>
-              <a:t>www.safaribooksonline.com/library/view/postgresql-for-data/9781783288601/ch08s05.html</a:t>
-            </a:r>
-            <a:endParaRPr lang="en-US" dirty="0"/>
-          </a:p>
-          <a:p>
-            <a:pPr lvl="1" fontAlgn="base"/>
-            <a:r>
-              <a:rPr lang="en-US" dirty="0" smtClean="0">
-                <a:hlinkClick r:id="rId5"/>
-              </a:rPr>
-              <a:t>https</a:t>
-            </a:r>
-            <a:r>
-              <a:rPr lang="en-US" dirty="0">
-                <a:hlinkClick r:id="rId5"/>
-              </a:rPr>
-              <a:t>://</a:t>
-            </a:r>
-            <a:r>
-              <a:rPr lang="en-US" dirty="0" smtClean="0">
-                <a:hlinkClick r:id="rId5"/>
-              </a:rPr>
-              <a:t>www.safaribooksonline.com/library/view/postgresql-cookbook/9781783555338/ch09.html</a:t>
-            </a:r>
-            <a:endParaRPr lang="en-US" dirty="0" smtClean="0"/>
-          </a:p>
-          <a:p>
-            <a:pPr lvl="1" fontAlgn="base"/>
-            <a:r>
-              <a:rPr lang="en-US" dirty="0">
-                <a:hlinkClick r:id="rId6"/>
-              </a:rPr>
-              <a:t>https://</a:t>
-            </a:r>
-            <a:r>
-              <a:rPr lang="en-US" dirty="0" smtClean="0">
-                <a:hlinkClick r:id="rId6"/>
-              </a:rPr>
-              <a:t>wiki.postgresql.org/wiki/Table_partitioning</a:t>
-            </a:r>
-            <a:endParaRPr lang="en-US" dirty="0" smtClean="0"/>
-          </a:p>
-          <a:p>
-            <a:pPr lvl="1" fontAlgn="base"/>
-            <a:endParaRPr lang="en-US" dirty="0" smtClean="0"/>
+            <a:endParaRPr lang="en-US" dirty="0"/>
           </a:p>
         </p:txBody>
       </p:sp>
     </p:spTree>
     <p:extLst>
       <p:ext uri="{BB962C8B-B14F-4D97-AF65-F5344CB8AC3E}">
-        <p14:creationId xmlns:p14="http://schemas.microsoft.com/office/powerpoint/2010/main" val="3757333264"/>
+        <p14:creationId xmlns:p14="http://schemas.microsoft.com/office/powerpoint/2010/main" val="951523410"/>
       </p:ext>
     </p:extLst>
   </p:cSld>
@@ -7296,21 +7292,13 @@
         </p:spPr>
         <p:txBody>
           <a:bodyPr>
-            <a:normAutofit/>
+            <a:normAutofit fontScale="90000"/>
           </a:bodyPr>
           <a:lstStyle/>
           <a:p>
             <a:r>
               <a:rPr lang="en-US" dirty="0" smtClean="0"/>
-              <a:t>RDS for </a:t>
-            </a:r>
-            <a:r>
-              <a:rPr lang="en-US" dirty="0" err="1" smtClean="0"/>
-              <a:t>Postgresql</a:t>
-            </a:r>
-            <a:r>
-              <a:rPr lang="en-US" dirty="0" smtClean="0"/>
-              <a:t/>
+              <a:t>Cross Region Replication with Read Replicas</a:t>
             </a:r>
             <a:br>
               <a:rPr lang="en-US" dirty="0" smtClean="0"/>
@@ -7346,34 +7334,22 @@
               <a:rPr lang="en-US" dirty="0">
                 <a:hlinkClick r:id="rId2"/>
               </a:rPr>
-              <a:t>http://</a:t>
+              <a:t>https://aws.amazon.com/about-aws/whats-new/2016/06/amazon-rds-for-postgresql-now-supports-cross-region-read-replicas</a:t>
             </a:r>
             <a:r>
               <a:rPr lang="en-US" dirty="0" smtClean="0">
                 <a:hlinkClick r:id="rId2"/>
               </a:rPr>
-              <a:t>www.davidmkerr.com/2013/11/tune-your-postgres-rds-instance-via.html</a:t>
+              <a:t>/</a:t>
             </a:r>
             <a:endParaRPr lang="en-US" dirty="0" smtClean="0"/>
           </a:p>
           <a:p>
             <a:pPr lvl="1" fontAlgn="base"/>
             <a:r>
-              <a:rPr lang="en-US" dirty="0">
-                <a:hlinkClick r:id="rId3"/>
-              </a:rPr>
-              <a:t>http://</a:t>
-            </a:r>
-            <a:r>
-              <a:rPr lang="en-US" dirty="0" smtClean="0">
-                <a:hlinkClick r:id="rId3"/>
-              </a:rPr>
-              <a:t>docs.aws.amazon.com/AmazonRDS/latest/UserGuide/CHAP_BestPractices.html#CHAP_BestPractices.DiskPerformance</a:t>
-            </a:r>
-            <a:endParaRPr lang="en-US" dirty="0" smtClean="0"/>
-          </a:p>
-          <a:p>
-            <a:pPr lvl="1" fontAlgn="base"/>
+              <a:rPr lang="en-US" dirty="0" smtClean="0"/>
+              <a:t>Examples</a:t>
+            </a:r>
             <a:endParaRPr lang="en-US" dirty="0"/>
           </a:p>
         </p:txBody>
@@ -7381,7 +7357,7 @@
     </p:spTree>
     <p:extLst>
       <p:ext uri="{BB962C8B-B14F-4D97-AF65-F5344CB8AC3E}">
-        <p14:creationId xmlns:p14="http://schemas.microsoft.com/office/powerpoint/2010/main" val="951523410"/>
+        <p14:creationId xmlns:p14="http://schemas.microsoft.com/office/powerpoint/2010/main" val="842563387"/>
       </p:ext>
     </p:extLst>
   </p:cSld>
@@ -7433,13 +7409,13 @@
         </p:spPr>
         <p:txBody>
           <a:bodyPr>
-            <a:normAutofit fontScale="90000"/>
+            <a:normAutofit/>
           </a:bodyPr>
           <a:lstStyle/>
           <a:p>
             <a:r>
               <a:rPr lang="en-US" dirty="0" smtClean="0"/>
-              <a:t>Cross Region Replication with Read Replicas</a:t>
+              <a:t>Best Practices</a:t>
             </a:r>
             <a:br>
               <a:rPr lang="en-US" dirty="0" smtClean="0"/>
@@ -7475,22 +7451,152 @@
               <a:rPr lang="en-US" dirty="0">
                 <a:hlinkClick r:id="rId2"/>
               </a:rPr>
-              <a:t>https://aws.amazon.com/about-aws/whats-new/2016/06/amazon-rds-for-postgresql-now-supports-cross-region-read-replicas</a:t>
-            </a:r>
+              <a:t>http://docs.aws.amazon.com/AmazonRDS/latest/UserGuide/CHAP_BestPractices.html</a:t>
+            </a:r>
+          </a:p>
+          <a:p>
+            <a:pPr lvl="1" fontAlgn="base"/>
             <a:r>
               <a:rPr lang="en-US" dirty="0" smtClean="0">
                 <a:hlinkClick r:id="rId2"/>
               </a:rPr>
-              <a:t>/</a:t>
+              <a:t>http</a:t>
+            </a:r>
+            <a:r>
+              <a:rPr lang="en-US" dirty="0">
+                <a:hlinkClick r:id="rId2"/>
+              </a:rPr>
+              <a:t>://</a:t>
+            </a:r>
+            <a:r>
+              <a:rPr lang="en-US" dirty="0" smtClean="0">
+                <a:hlinkClick r:id="rId2"/>
+              </a:rPr>
+              <a:t>www.davidmkerr.com/2013/11/tune-your-postgres-rds-instance-via.html</a:t>
             </a:r>
             <a:endParaRPr lang="en-US" dirty="0" smtClean="0"/>
           </a:p>
           <a:p>
             <a:pPr lvl="1" fontAlgn="base"/>
             <a:r>
+              <a:rPr lang="en-US" dirty="0">
+                <a:hlinkClick r:id="rId3"/>
+              </a:rPr>
+              <a:t>http://</a:t>
+            </a:r>
+            <a:r>
+              <a:rPr lang="en-US" dirty="0" smtClean="0">
+                <a:hlinkClick r:id="rId3"/>
+              </a:rPr>
+              <a:t>www.slideshare.net/AmazonWebServices/dat402-amazon-rds-postgresqllessons-learned-new-features</a:t>
+            </a:r>
+            <a:endParaRPr lang="en-US" dirty="0" smtClean="0"/>
+          </a:p>
+          <a:p>
+            <a:pPr lvl="1" fontAlgn="base"/>
+            <a:r>
+              <a:rPr lang="en-US" dirty="0">
+                <a:hlinkClick r:id="rId4"/>
+              </a:rPr>
+              <a:t>http://</a:t>
+            </a:r>
+            <a:r>
+              <a:rPr lang="en-US" dirty="0" smtClean="0">
+                <a:hlinkClick r:id="rId4"/>
+              </a:rPr>
+              <a:t>postgresweekly.com/issues</a:t>
+            </a:r>
+            <a:endParaRPr lang="en-US" dirty="0" smtClean="0"/>
+          </a:p>
+          <a:p>
+            <a:pPr lvl="1" fontAlgn="base"/>
+            <a:r>
+              <a:rPr lang="en-US" dirty="0">
+                <a:hlinkClick r:id="rId5"/>
+              </a:rPr>
+              <a:t>http://www.craigkerstiens.com/2015/12/29/my-postgres-top-10-for-2016/?</a:t>
+            </a:r>
+            <a:r>
+              <a:rPr lang="en-US" dirty="0" smtClean="0">
+                <a:hlinkClick r:id="rId5"/>
+              </a:rPr>
+              <a:t>utm_source=postgresweekly&amp;utm_medium=email</a:t>
+            </a:r>
+            <a:endParaRPr lang="en-US" dirty="0" smtClean="0"/>
+          </a:p>
+          <a:p>
+            <a:pPr lvl="1" fontAlgn="base"/>
+            <a:r>
+              <a:rPr lang="en-US" dirty="0">
+                <a:hlinkClick r:id="rId6"/>
+              </a:rPr>
+              <a:t>https://</a:t>
+            </a:r>
+            <a:r>
+              <a:rPr lang="en-US" dirty="0" smtClean="0">
+                <a:hlinkClick r:id="rId6"/>
+              </a:rPr>
+              <a:t>robots.thoughtbot.com/advanced-postgres-performance-tips?utm_source=postgresweekly&amp;utm_medium=email</a:t>
+            </a:r>
+            <a:endParaRPr lang="en-US" dirty="0" smtClean="0"/>
+          </a:p>
+          <a:p>
+            <a:pPr lvl="1" fontAlgn="base"/>
+            <a:r>
+              <a:rPr lang="en-US" dirty="0">
+                <a:hlinkClick r:id="rId7"/>
+              </a:rPr>
+              <a:t>http://</a:t>
+            </a:r>
+            <a:r>
+              <a:rPr lang="en-US" dirty="0" smtClean="0">
+                <a:hlinkClick r:id="rId7"/>
+              </a:rPr>
+              <a:t>blog.pixlee.com/hunting-down-phantom-write-spik</a:t>
+            </a:r>
+            <a:endParaRPr lang="en-US" dirty="0" smtClean="0"/>
+          </a:p>
+          <a:p>
+            <a:pPr lvl="1" fontAlgn="base"/>
+            <a:r>
+              <a:rPr lang="en-US" dirty="0" err="1" smtClean="0"/>
+              <a:t>es-in-rds-postgres?utm_source</a:t>
+            </a:r>
+            <a:r>
               <a:rPr lang="en-US" dirty="0" smtClean="0"/>
-              <a:t>Examples</a:t>
-            </a:r>
+              <a:t>=</a:t>
+            </a:r>
+            <a:r>
+              <a:rPr lang="en-US" dirty="0" err="1" smtClean="0"/>
+              <a:t>postgresweekly&amp;utm_medium</a:t>
+            </a:r>
+            <a:r>
+              <a:rPr lang="en-US" dirty="0" smtClean="0"/>
+              <a:t>=email</a:t>
+            </a:r>
+          </a:p>
+          <a:p>
+            <a:pPr lvl="1" fontAlgn="base"/>
+            <a:r>
+              <a:rPr lang="en-US" dirty="0">
+                <a:hlinkClick r:id="rId8"/>
+              </a:rPr>
+              <a:t>https://</a:t>
+            </a:r>
+            <a:r>
+              <a:rPr lang="en-US" dirty="0" smtClean="0">
+                <a:hlinkClick r:id="rId8"/>
+              </a:rPr>
+              <a:t>www.youtube.com/watch?v=tZXp19q8RFo</a:t>
+            </a:r>
+            <a:endParaRPr lang="en-US" dirty="0" smtClean="0"/>
+          </a:p>
+          <a:p>
+            <a:pPr lvl="1" fontAlgn="base"/>
+            <a:endParaRPr lang="en-US" dirty="0" smtClean="0"/>
+          </a:p>
+          <a:p>
+            <a:pPr lvl="1" fontAlgn="base"/>
             <a:endParaRPr lang="en-US" dirty="0"/>
           </a:p>
         </p:txBody>
@@ -7498,7 +7604,7 @@
     </p:spTree>
     <p:extLst>
       <p:ext uri="{BB962C8B-B14F-4D97-AF65-F5344CB8AC3E}">
-        <p14:creationId xmlns:p14="http://schemas.microsoft.com/office/powerpoint/2010/main" val="842563387"/>
+        <p14:creationId xmlns:p14="http://schemas.microsoft.com/office/powerpoint/2010/main" val="2423916971"/>
       </p:ext>
     </p:extLst>
   </p:cSld>
@@ -7555,12 +7661,12 @@
           <a:lstStyle/>
           <a:p>
             <a:r>
+              <a:rPr lang="en-US" dirty="0" err="1" smtClean="0"/>
+              <a:t>Bucardo</a:t>
+            </a:r>
+            <a:r>
               <a:rPr lang="en-US" dirty="0" smtClean="0"/>
-              <a:t>Best Practices</a:t>
-            </a:r>
-            <a:r>
-              <a:rPr lang="en-US" dirty="0" smtClean="0"/>
-              <a:t/>
+              <a:t>	</a:t>
             </a:r>
             <a:br>
               <a:rPr lang="en-US" dirty="0" smtClean="0"/>
@@ -7596,135 +7702,13 @@
               <a:rPr lang="en-US" dirty="0">
                 <a:hlinkClick r:id="rId2"/>
               </a:rPr>
-              <a:t>http://docs.aws.amazon.com/AmazonRDS/latest/UserGuide/CHAP_BestPractices.html</a:t>
-            </a:r>
-          </a:p>
-          <a:p>
-            <a:pPr lvl="1" fontAlgn="base"/>
+              <a:t>https://www.compose.com/articles/using-bucardo-5-3-to-migrate-a-live-postgresql-database</a:t>
+            </a:r>
             <a:r>
               <a:rPr lang="en-US" dirty="0" smtClean="0">
                 <a:hlinkClick r:id="rId2"/>
               </a:rPr>
-              <a:t>http</a:t>
-            </a:r>
-            <a:r>
-              <a:rPr lang="en-US" dirty="0">
-                <a:hlinkClick r:id="rId2"/>
-              </a:rPr>
-              <a:t>://</a:t>
-            </a:r>
-            <a:r>
-              <a:rPr lang="en-US" dirty="0" smtClean="0">
-                <a:hlinkClick r:id="rId2"/>
-              </a:rPr>
-              <a:t>www.davidmkerr.com/2013/11/tune-your-postgres-rds-instance-via.html</a:t>
-            </a:r>
-            <a:endParaRPr lang="en-US" dirty="0" smtClean="0"/>
-          </a:p>
-          <a:p>
-            <a:pPr lvl="1" fontAlgn="base"/>
-            <a:r>
-              <a:rPr lang="en-US" dirty="0">
-                <a:hlinkClick r:id="rId3"/>
-              </a:rPr>
-              <a:t>http://</a:t>
-            </a:r>
-            <a:r>
-              <a:rPr lang="en-US" dirty="0" smtClean="0">
-                <a:hlinkClick r:id="rId3"/>
-              </a:rPr>
-              <a:t>www.slideshare.net/AmazonWebServices/dat402-amazon-rds-postgresqllessons-learned-new-features</a:t>
-            </a:r>
-            <a:endParaRPr lang="en-US" dirty="0" smtClean="0"/>
-          </a:p>
-          <a:p>
-            <a:pPr lvl="1" fontAlgn="base"/>
-            <a:r>
-              <a:rPr lang="en-US" dirty="0">
-                <a:hlinkClick r:id="rId4"/>
-              </a:rPr>
-              <a:t>http://</a:t>
-            </a:r>
-            <a:r>
-              <a:rPr lang="en-US" dirty="0" smtClean="0">
-                <a:hlinkClick r:id="rId4"/>
-              </a:rPr>
-              <a:t>postgresweekly.com/issues</a:t>
-            </a:r>
-            <a:endParaRPr lang="en-US" dirty="0" smtClean="0"/>
-          </a:p>
-          <a:p>
-            <a:pPr lvl="1" fontAlgn="base"/>
-            <a:r>
-              <a:rPr lang="en-US" dirty="0">
-                <a:hlinkClick r:id="rId5"/>
-              </a:rPr>
-              <a:t>http://www.craigkerstiens.com/2015/12/29/my-postgres-top-10-for-2016/?</a:t>
-            </a:r>
-            <a:r>
-              <a:rPr lang="en-US" dirty="0" smtClean="0">
-                <a:hlinkClick r:id="rId5"/>
-              </a:rPr>
-              <a:t>utm_source=postgresweekly&amp;utm_medium=email</a:t>
-            </a:r>
-            <a:endParaRPr lang="en-US" dirty="0" smtClean="0"/>
-          </a:p>
-          <a:p>
-            <a:pPr lvl="1" fontAlgn="base"/>
-            <a:r>
-              <a:rPr lang="en-US" dirty="0">
-                <a:hlinkClick r:id="rId6"/>
-              </a:rPr>
-              <a:t>https://</a:t>
-            </a:r>
-            <a:r>
-              <a:rPr lang="en-US" dirty="0" smtClean="0">
-                <a:hlinkClick r:id="rId6"/>
-              </a:rPr>
-              <a:t>robots.thoughtbot.com/advanced-postgres-performance-tips?utm_source=postgresweekly&amp;utm_medium=email</a:t>
-            </a:r>
-            <a:endParaRPr lang="en-US" dirty="0" smtClean="0"/>
-          </a:p>
-          <a:p>
-            <a:pPr lvl="1" fontAlgn="base"/>
-            <a:r>
-              <a:rPr lang="en-US" dirty="0">
-                <a:hlinkClick r:id="rId7"/>
-              </a:rPr>
-              <a:t>http://</a:t>
-            </a:r>
-            <a:r>
-              <a:rPr lang="en-US" dirty="0" smtClean="0">
-                <a:hlinkClick r:id="rId7"/>
-              </a:rPr>
-              <a:t>blog.pixlee.com/hunting-down-phantom-write-spik</a:t>
-            </a:r>
-            <a:endParaRPr lang="en-US" dirty="0" smtClean="0"/>
-          </a:p>
-          <a:p>
-            <a:pPr lvl="1" fontAlgn="base"/>
-            <a:r>
-              <a:rPr lang="en-US" dirty="0" err="1" smtClean="0"/>
-              <a:t>es-in-rds-postgres?utm_source</a:t>
-            </a:r>
-            <a:r>
-              <a:rPr lang="en-US" dirty="0" smtClean="0"/>
-              <a:t>=</a:t>
-            </a:r>
-            <a:r>
-              <a:rPr lang="en-US" dirty="0" err="1" smtClean="0"/>
-              <a:t>postgresweekly&amp;utm_medium</a:t>
-            </a:r>
-            <a:r>
-              <a:rPr lang="en-US" dirty="0" smtClean="0"/>
-              <a:t>=email</a:t>
-            </a:r>
-          </a:p>
-          <a:p>
-            <a:pPr lvl="1" fontAlgn="base"/>
-            <a:r>
-              <a:rPr lang="en-US"/>
-              <a:t>https://www.youtube.com/watch?v=tZXp19q8RFo</a:t>
+              <a:t>/</a:t>
             </a:r>
             <a:endParaRPr lang="en-US" dirty="0" smtClean="0"/>
           </a:p>
@@ -7737,7 +7721,7 @@
     </p:spTree>
     <p:extLst>
       <p:ext uri="{BB962C8B-B14F-4D97-AF65-F5344CB8AC3E}">
-        <p14:creationId xmlns:p14="http://schemas.microsoft.com/office/powerpoint/2010/main" val="2423916971"/>
+        <p14:creationId xmlns:p14="http://schemas.microsoft.com/office/powerpoint/2010/main" val="1178129088"/>
       </p:ext>
     </p:extLst>
   </p:cSld>
